--- a/ProjectReport/Predicting MLS Results - MidtermReport.pptx
+++ b/ProjectReport/Predicting MLS Results - MidtermReport.pptx
@@ -111,6 +111,11 @@
       </a:defRPr>
     </a:lvl9pPr>
   </p:defaultTextStyle>
+  <p:extLst>
+    <p:ext uri="{EFAFB233-063F-42B5-8137-9DF3F51BA10A}">
+      <p15:sldGuideLst xmlns:p15="http://schemas.microsoft.com/office/powerpoint/2012/main"/>
+    </p:ext>
+  </p:extLst>
 </p:presentation>
 </file>
 
@@ -2017,7 +2022,7 @@
           </a:pPr>
           <a:r>
             <a:rPr lang="en-US" dirty="0"/>
-            <a:t>Front-end and Backend: Android Studio</a:t>
+            <a:t>Front-end and Backend: Android Studio AND PYTHON</a:t>
           </a:r>
         </a:p>
       </dgm:t>
@@ -2977,7 +2982,7 @@
         </a:bodyPr>
         <a:lstStyle/>
         <a:p>
-          <a:pPr marL="0" lvl="0" indent="0" algn="ctr" defTabSz="800100">
+          <a:pPr marL="0" lvl="0" indent="0" algn="ctr" defTabSz="666750">
             <a:lnSpc>
               <a:spcPct val="100000"/>
             </a:lnSpc>
@@ -2991,7 +2996,7 @@
             <a:defRPr cap="all"/>
           </a:pPr>
           <a:r>
-            <a:rPr lang="en-US" sz="1800" kern="1200" dirty="0"/>
+            <a:rPr lang="en-US" sz="1500" kern="1200" dirty="0"/>
             <a:t>Database: MySQL</a:t>
           </a:r>
         </a:p>
@@ -3135,7 +3140,7 @@
         </a:bodyPr>
         <a:lstStyle/>
         <a:p>
-          <a:pPr marL="0" lvl="0" indent="0" algn="ctr" defTabSz="800100">
+          <a:pPr marL="0" lvl="0" indent="0" algn="ctr" defTabSz="666750">
             <a:lnSpc>
               <a:spcPct val="100000"/>
             </a:lnSpc>
@@ -3149,8 +3154,8 @@
             <a:defRPr cap="all"/>
           </a:pPr>
           <a:r>
-            <a:rPr lang="en-US" sz="1800" kern="1200" dirty="0"/>
-            <a:t>Front-end and Backend: Android Studio</a:t>
+            <a:rPr lang="en-US" sz="1500" kern="1200" dirty="0"/>
+            <a:t>Front-end and Backend: Android Studio AND PYTHON</a:t>
           </a:r>
         </a:p>
       </dsp:txBody>
@@ -18151,7 +18156,7 @@
             <p:ph idx="1"/>
             <p:extLst>
               <p:ext uri="{D42A27DB-BD31-4B8C-83A1-F6EECF244321}">
-                <p14:modId xmlns:p14="http://schemas.microsoft.com/office/powerpoint/2010/main" val="3900864156"/>
+                <p14:modId xmlns:p14="http://schemas.microsoft.com/office/powerpoint/2010/main" val="1094592633"/>
               </p:ext>
             </p:extLst>
           </p:nvPr>
